--- a/Stranger Maze- Capítulo II.pptx
+++ b/Stranger Maze- Capítulo II.pptx
@@ -121,6 +121,11 @@
       </a:defRPr>
     </a:lvl9pPr>
   </p:defaultTextStyle>
+  <p:extLst>
+    <p:ext uri="{EFAFB233-063F-42B5-8137-9DF3F51BA10A}">
+      <p15:sldGuideLst xmlns:p15="http://schemas.microsoft.com/office/powerpoint/2012/main"/>
+    </p:ext>
+  </p:extLst>
 </p:presentation>
 </file>
 
@@ -9212,13 +9217,13 @@
   <p:clrMapOvr>
     <a:masterClrMapping/>
   </p:clrMapOvr>
-  <mc:AlternateContent xmlns:mc="http://schemas.openxmlformats.org/markup-compatibility/2006">
-    <mc:Choice xmlns:p14="http://schemas.microsoft.com/office/powerpoint/2010/main" Requires="p14">
+  <mc:AlternateContent xmlns:mc="http://schemas.openxmlformats.org/markup-compatibility/2006" xmlns:p14="http://schemas.microsoft.com/office/powerpoint/2010/main">
+    <mc:Choice Requires="p14">
       <p:transition spd="slow" p14:dur="3400">
         <p14:reveal/>
       </p:transition>
     </mc:Choice>
-    <mc:Fallback>
+    <mc:Fallback xmlns="">
       <p:transition spd="slow">
         <p:fade/>
       </p:transition>
@@ -9343,13 +9348,13 @@
   <p:clrMapOvr>
     <a:masterClrMapping/>
   </p:clrMapOvr>
-  <mc:AlternateContent xmlns:mc="http://schemas.openxmlformats.org/markup-compatibility/2006">
-    <mc:Choice xmlns:p15="http://schemas.microsoft.com/office/powerpoint/2012/main" Requires="p15">
+  <mc:AlternateContent xmlns:mc="http://schemas.openxmlformats.org/markup-compatibility/2006" xmlns:p15="http://schemas.microsoft.com/office/powerpoint/2012/main">
+    <mc:Choice Requires="p15">
       <p:transition xmlns:p14="http://schemas.microsoft.com/office/powerpoint/2010/main" spd="slow" p14:dur="2000">
         <p15:prstTrans prst="crush"/>
       </p:transition>
     </mc:Choice>
-    <mc:Fallback>
+    <mc:Fallback xmlns="">
       <p:transition spd="slow">
         <p:fade/>
       </p:transition>
@@ -9634,13 +9639,13 @@
   <p:clrMapOvr>
     <a:masterClrMapping/>
   </p:clrMapOvr>
-  <mc:AlternateContent xmlns:mc="http://schemas.openxmlformats.org/markup-compatibility/2006">
-    <mc:Choice xmlns:p15="http://schemas.microsoft.com/office/powerpoint/2012/main" Requires="p15">
+  <mc:AlternateContent xmlns:mc="http://schemas.openxmlformats.org/markup-compatibility/2006" xmlns:p15="http://schemas.microsoft.com/office/powerpoint/2012/main">
+    <mc:Choice Requires="p15">
       <p:transition xmlns:p14="http://schemas.microsoft.com/office/powerpoint/2010/main" spd="slow" p14:dur="1250">
         <p15:prstTrans prst="airplane"/>
       </p:transition>
     </mc:Choice>
-    <mc:Fallback>
+    <mc:Fallback xmlns="">
       <p:transition spd="slow">
         <p:fade/>
       </p:transition>
@@ -9794,13 +9799,13 @@
   <p:clrMapOvr>
     <a:masterClrMapping/>
   </p:clrMapOvr>
-  <mc:AlternateContent xmlns:mc="http://schemas.openxmlformats.org/markup-compatibility/2006">
-    <mc:Choice xmlns:p15="http://schemas.microsoft.com/office/powerpoint/2012/main" Requires="p15">
+  <mc:AlternateContent xmlns:mc="http://schemas.openxmlformats.org/markup-compatibility/2006" xmlns:p15="http://schemas.microsoft.com/office/powerpoint/2012/main">
+    <mc:Choice Requires="p15">
       <p:transition xmlns:p14="http://schemas.microsoft.com/office/powerpoint/2010/main" spd="slow" p14:dur="2000">
         <p15:prstTrans prst="fracture"/>
       </p:transition>
     </mc:Choice>
-    <mc:Fallback>
+    <mc:Fallback xmlns="">
       <p:transition spd="slow">
         <p:fade/>
       </p:transition>
@@ -9958,13 +9963,13 @@
   <p:clrMapOvr>
     <a:masterClrMapping/>
   </p:clrMapOvr>
-  <mc:AlternateContent xmlns:mc="http://schemas.openxmlformats.org/markup-compatibility/2006">
-    <mc:Choice xmlns:p15="http://schemas.microsoft.com/office/powerpoint/2012/main" Requires="p15">
+  <mc:AlternateContent xmlns:mc="http://schemas.openxmlformats.org/markup-compatibility/2006" xmlns:p15="http://schemas.microsoft.com/office/powerpoint/2012/main">
+    <mc:Choice Requires="p15">
       <p:transition xmlns:p14="http://schemas.microsoft.com/office/powerpoint/2010/main" spd="slow" p14:dur="2000">
         <p15:prstTrans prst="fracture"/>
       </p:transition>
     </mc:Choice>
-    <mc:Fallback>
+    <mc:Fallback xmlns="">
       <p:transition spd="slow">
         <p:fade/>
       </p:transition>
@@ -10122,13 +10127,13 @@
   <p:clrMapOvr>
     <a:masterClrMapping/>
   </p:clrMapOvr>
-  <mc:AlternateContent xmlns:mc="http://schemas.openxmlformats.org/markup-compatibility/2006">
-    <mc:Choice xmlns:p15="http://schemas.microsoft.com/office/powerpoint/2012/main" Requires="p15">
+  <mc:AlternateContent xmlns:mc="http://schemas.openxmlformats.org/markup-compatibility/2006" xmlns:p15="http://schemas.microsoft.com/office/powerpoint/2012/main">
+    <mc:Choice Requires="p15">
       <p:transition xmlns:p14="http://schemas.microsoft.com/office/powerpoint/2010/main" spd="slow" p14:dur="2000">
         <p15:prstTrans prst="fracture"/>
       </p:transition>
     </mc:Choice>
-    <mc:Fallback>
+    <mc:Fallback xmlns="">
       <p:transition spd="slow">
         <p:fade/>
       </p:transition>
@@ -10348,13 +10353,13 @@
   <p:clrMapOvr>
     <a:masterClrMapping/>
   </p:clrMapOvr>
-  <mc:AlternateContent xmlns:mc="http://schemas.openxmlformats.org/markup-compatibility/2006">
-    <mc:Choice xmlns:p14="http://schemas.microsoft.com/office/powerpoint/2010/main" Requires="p14">
+  <mc:AlternateContent xmlns:mc="http://schemas.openxmlformats.org/markup-compatibility/2006" xmlns:p14="http://schemas.microsoft.com/office/powerpoint/2010/main">
+    <mc:Choice Requires="p14">
       <p:transition spd="slow" p14:dur="4400">
         <p14:honeycomb/>
       </p:transition>
     </mc:Choice>
-    <mc:Fallback>
+    <mc:Fallback xmlns="">
       <p:transition spd="slow">
         <p:fade/>
       </p:transition>
@@ -12629,13 +12634,13 @@
   <p:clrMapOvr>
     <a:masterClrMapping/>
   </p:clrMapOvr>
-  <mc:AlternateContent xmlns:mc="http://schemas.openxmlformats.org/markup-compatibility/2006">
-    <mc:Choice xmlns:p15="http://schemas.microsoft.com/office/powerpoint/2012/main" Requires="p15">
+  <mc:AlternateContent xmlns:mc="http://schemas.openxmlformats.org/markup-compatibility/2006" xmlns:p15="http://schemas.microsoft.com/office/powerpoint/2012/main">
+    <mc:Choice Requires="p15">
       <p:transition xmlns:p14="http://schemas.microsoft.com/office/powerpoint/2010/main" spd="slow" p14:dur="2000">
         <p15:prstTrans prst="fallOver"/>
       </p:transition>
     </mc:Choice>
-    <mc:Fallback>
+    <mc:Fallback xmlns="">
       <p:transition spd="slow">
         <p:fade/>
       </p:transition>
@@ -12911,13 +12916,13 @@
   <p:clrMapOvr>
     <a:masterClrMapping/>
   </p:clrMapOvr>
-  <mc:AlternateContent xmlns:mc="http://schemas.openxmlformats.org/markup-compatibility/2006">
-    <mc:Choice xmlns:p15="http://schemas.microsoft.com/office/powerpoint/2012/main" Requires="p15">
+  <mc:AlternateContent xmlns:mc="http://schemas.openxmlformats.org/markup-compatibility/2006" xmlns:p15="http://schemas.microsoft.com/office/powerpoint/2012/main">
+    <mc:Choice Requires="p15">
       <p:transition xmlns:p14="http://schemas.microsoft.com/office/powerpoint/2010/main" spd="slow" p14:dur="1250">
         <p15:prstTrans prst="peelOff"/>
       </p:transition>
     </mc:Choice>
-    <mc:Fallback>
+    <mc:Fallback xmlns="">
       <p:transition spd="slow">
         <p:fade/>
       </p:transition>
@@ -13044,13 +13049,13 @@
   <p:clrMapOvr>
     <a:masterClrMapping/>
   </p:clrMapOvr>
-  <mc:AlternateContent xmlns:mc="http://schemas.openxmlformats.org/markup-compatibility/2006">
-    <mc:Choice xmlns:p15="http://schemas.microsoft.com/office/powerpoint/2012/main" Requires="p15">
+  <mc:AlternateContent xmlns:mc="http://schemas.openxmlformats.org/markup-compatibility/2006" xmlns:p15="http://schemas.microsoft.com/office/powerpoint/2012/main">
+    <mc:Choice Requires="p15">
       <p:transition xmlns:p14="http://schemas.microsoft.com/office/powerpoint/2010/main" spd="slow" p14:dur="1250">
         <p15:prstTrans prst="pageCurlDouble"/>
       </p:transition>
     </mc:Choice>
-    <mc:Fallback>
+    <mc:Fallback xmlns="">
       <p:transition spd="slow">
         <p:fade/>
       </p:transition>
@@ -13154,7 +13159,11 @@
             </a:r>
             <a:r>
               <a:rPr lang="es-ES" sz="2400" dirty="0"/>
-              <a:t>Yamilka Guzmán.</a:t>
+              <a:t>Yamilka </a:t>
+            </a:r>
+            <a:r>
+              <a:rPr lang="es-ES" sz="2400" dirty="0" smtClean="0"/>
+              <a:t>Gómez.</a:t>
             </a:r>
             <a:endParaRPr lang="es-DO" sz="2400" dirty="0"/>
           </a:p>
@@ -13190,7 +13199,19 @@
             </a:r>
             <a:r>
               <a:rPr lang="es-ES" sz="2400" dirty="0"/>
-              <a:t> Yamilka Guzmán / Jean Ureña</a:t>
+              <a:t> </a:t>
+            </a:r>
+            <a:r>
+              <a:rPr lang="es-ES" sz="2400"/>
+              <a:t>Yamilka </a:t>
+            </a:r>
+            <a:r>
+              <a:rPr lang="es-ES" sz="2400" smtClean="0"/>
+              <a:t>Gómez </a:t>
+            </a:r>
+            <a:r>
+              <a:rPr lang="es-ES" sz="2400" dirty="0"/>
+              <a:t>/ Jean Ureña</a:t>
             </a:r>
             <a:endParaRPr lang="es-DO" sz="2400" dirty="0"/>
           </a:p>
@@ -13278,13 +13299,13 @@
   <p:clrMapOvr>
     <a:masterClrMapping/>
   </p:clrMapOvr>
-  <mc:AlternateContent xmlns:mc="http://schemas.openxmlformats.org/markup-compatibility/2006">
-    <mc:Choice xmlns:p15="http://schemas.microsoft.com/office/powerpoint/2012/main" Requires="p15">
+  <mc:AlternateContent xmlns:mc="http://schemas.openxmlformats.org/markup-compatibility/2006" xmlns:p15="http://schemas.microsoft.com/office/powerpoint/2012/main">
+    <mc:Choice Requires="p15">
       <p:transition xmlns:p14="http://schemas.microsoft.com/office/powerpoint/2010/main" spd="slow" p14:dur="2000">
         <p15:prstTrans prst="wind"/>
       </p:transition>
     </mc:Choice>
-    <mc:Fallback>
+    <mc:Fallback xmlns="">
       <p:transition spd="slow">
         <p:fade/>
       </p:transition>
@@ -13396,13 +13417,13 @@
   <p:clrMapOvr>
     <a:masterClrMapping/>
   </p:clrMapOvr>
-  <mc:AlternateContent xmlns:mc="http://schemas.openxmlformats.org/markup-compatibility/2006">
-    <mc:Choice xmlns:p14="http://schemas.microsoft.com/office/powerpoint/2010/main" Requires="p14">
+  <mc:AlternateContent xmlns:mc="http://schemas.openxmlformats.org/markup-compatibility/2006" xmlns:p14="http://schemas.microsoft.com/office/powerpoint/2010/main">
+    <mc:Choice Requires="p14">
       <p:transition spd="slow" p14:dur="1600">
         <p:blinds dir="vert"/>
       </p:transition>
     </mc:Choice>
-    <mc:Fallback>
+    <mc:Fallback xmlns="">
       <p:transition spd="slow">
         <p:blinds dir="vert"/>
       </p:transition>
